--- a/Entrada.pptx
+++ b/Entrada.pptx
@@ -5195,7 +5195,6 @@
             <a:r>
               <a:rPr lang="es-ES" dirty="0"/>
               <a:t>Previene la obstrucción de los pasos estrechos en la planta
-¡Necesitamos un método de fabricación!
 Diseñado para pasar el </a:t>
             </a:r>
             <a:br>
@@ -5225,14 +5224,22 @@
             <a:pPr lvl="1"/>
             <a:r>
               <a:rPr lang="es-ES" dirty="0"/>
-              <a:t>Expansión de flujo (pero Vout</a:t>
+              <a:t>Expansión de flujo (pero </a:t>
+            </a:r>
+            <a:r>
+              <a:rPr lang="es-ES" dirty="0" err="1"/>
+              <a:t>V</a:t>
+            </a:r>
+            <a:r>
+              <a:rPr lang="es-ES" baseline="-25000" dirty="0" err="1"/>
+              <a:t>expandida</a:t>
             </a:r>
             <a:br>
               <a:rPr lang="es-ES" dirty="0"/>
             </a:br>
             <a:r>
               <a:rPr lang="es-ES" dirty="0"/>
-              <a:t>es pequeña por lo que la ecuación del orificio</a:t>
+              <a:t>es pequeña y por lo que la ecuación del orificio</a:t>
             </a:r>
             <a:br>
               <a:rPr lang="es-ES" dirty="0"/>
@@ -5267,8 +5274,8 @@
         </p:blipFill>
         <p:spPr>
           <a:xfrm>
-            <a:off x="6184488" y="2656840"/>
-            <a:ext cx="2874179" cy="3200400"/>
+            <a:off x="6521790" y="2370130"/>
+            <a:ext cx="2455598" cy="2734310"/>
           </a:xfrm>
           <a:prstGeom prst="rect">
             <a:avLst/>
@@ -5430,6 +5437,13 @@
               <a:rPr lang="es-419" dirty="0"/>
               <a:t>En cambio si lo hace con orificios la fracción abierta será mucho menos</a:t>
             </a:r>
+          </a:p>
+          <a:p>
+            <a:r>
+              <a:rPr lang="es-ES" dirty="0"/>
+              <a:t>¡Necesitamos un método de fabricación!</a:t>
+            </a:r>
+            <a:endParaRPr lang="es-419" dirty="0"/>
           </a:p>
         </p:txBody>
       </p:sp>
